--- a/Endpresentation.pptx
+++ b/Endpresentation.pptx
@@ -5,7 +5,7 @@
     <p:sldMasterId id="2147483648" r:id="rId1"/>
   </p:sldMasterIdLst>
   <p:notesMasterIdLst>
-    <p:notesMasterId r:id="rId13"/>
+    <p:notesMasterId r:id="rId14"/>
   </p:notesMasterIdLst>
   <p:sldIdLst>
     <p:sldId id="256" r:id="rId2"/>
@@ -15,10 +15,11 @@
     <p:sldId id="267" r:id="rId6"/>
     <p:sldId id="265" r:id="rId7"/>
     <p:sldId id="266" r:id="rId8"/>
-    <p:sldId id="258" r:id="rId9"/>
-    <p:sldId id="259" r:id="rId10"/>
-    <p:sldId id="260" r:id="rId11"/>
-    <p:sldId id="261" r:id="rId12"/>
+    <p:sldId id="268" r:id="rId9"/>
+    <p:sldId id="258" r:id="rId10"/>
+    <p:sldId id="259" r:id="rId11"/>
+    <p:sldId id="260" r:id="rId12"/>
+    <p:sldId id="261" r:id="rId13"/>
   </p:sldIdLst>
   <p:sldSz cx="12192000" cy="6858000"/>
   <p:notesSz cx="6858000" cy="9144000"/>
@@ -535,7 +536,7 @@
           <a:p>
             <a:fld id="{738E15E0-FA14-469F-BB41-5D207DD9574D}" type="slidenum">
               <a:rPr lang="en-NL" smtClean="0"/>
-              <a:t>9</a:t>
+              <a:t>10</a:t>
             </a:fld>
             <a:endParaRPr lang="en-NL"/>
           </a:p>
@@ -1378,6 +1379,99 @@
           <p:cNvPr id="2" name="Title 1" hidden="1">
             <a:extLst>
               <a:ext uri="{FF2B5EF4-FFF2-40B4-BE49-F238E27FC236}">
+                <a16:creationId xmlns:a16="http://schemas.microsoft.com/office/drawing/2014/main" id="{A3862D7D-2613-3F9B-9769-8963F27BD131}"/>
+              </a:ext>
+            </a:extLst>
+          </p:cNvPr>
+          <p:cNvSpPr>
+            <a:spLocks noGrp="1"/>
+          </p:cNvSpPr>
+          <p:nvPr>
+            <p:ph type="title"/>
+          </p:nvPr>
+        </p:nvSpPr>
+        <p:spPr/>
+        <p:txBody>
+          <a:bodyPr/>
+          <a:lstStyle/>
+          <a:p>
+            <a:r>
+              <a:rPr lang="en-US"/>
+              <a:t>Causes of problems</a:t>
+            </a:r>
+            <a:endParaRPr lang="en-NL" dirty="0"/>
+          </a:p>
+        </p:txBody>
+      </p:sp>
+      <p:pic>
+        <p:nvPicPr>
+          <p:cNvPr id="3" name="Picture 2">
+            <a:extLst>
+              <a:ext uri="{FF2B5EF4-FFF2-40B4-BE49-F238E27FC236}">
+                <a16:creationId xmlns:a16="http://schemas.microsoft.com/office/drawing/2014/main" id="{78D36B7A-954C-C14E-18F1-4D4D0F533FB1}"/>
+              </a:ext>
+            </a:extLst>
+          </p:cNvPr>
+          <p:cNvPicPr/>
+          <p:nvPr/>
+        </p:nvPicPr>
+        <p:blipFill>
+          <a:blip r:embed="rId3"/>
+          <a:stretch>
+            <a:fillRect/>
+          </a:stretch>
+        </p:blipFill>
+        <p:spPr>
+          <a:xfrm>
+            <a:off x="0" y="0"/>
+            <a:ext cx="12192000" cy="6858000"/>
+          </a:xfrm>
+          <a:prstGeom prst="rect">
+            <a:avLst/>
+          </a:prstGeom>
+        </p:spPr>
+      </p:pic>
+    </p:spTree>
+    <p:extLst>
+      <p:ext uri="{BB962C8B-B14F-4D97-AF65-F5344CB8AC3E}">
+        <p14:creationId xmlns:p14="http://schemas.microsoft.com/office/powerpoint/2010/main" val="680026398"/>
+      </p:ext>
+    </p:extLst>
+  </p:cSld>
+  <p:clrMapOvr>
+    <a:masterClrMapping/>
+  </p:clrMapOvr>
+</p:sld>
+</file>
+
+<file path=ppt/slides/slide11.xml><?xml version="1.0" encoding="utf-8"?>
+<p:sld xmlns:a="http://schemas.openxmlformats.org/drawingml/2006/main" xmlns:r="http://schemas.openxmlformats.org/officeDocument/2006/relationships" xmlns:p="http://schemas.openxmlformats.org/presentationml/2006/main">
+  <p:cSld>
+    <p:bg>
+      <p:bgPr>
+        <a:noFill/>
+        <a:effectLst/>
+      </p:bgPr>
+    </p:bg>
+    <p:spTree>
+      <p:nvGrpSpPr>
+        <p:cNvPr id="1" name=""/>
+        <p:cNvGrpSpPr/>
+        <p:nvPr/>
+      </p:nvGrpSpPr>
+      <p:grpSpPr>
+        <a:xfrm>
+          <a:off x="0" y="0"/>
+          <a:ext cx="0" cy="0"/>
+          <a:chOff x="0" y="0"/>
+          <a:chExt cx="0" cy="0"/>
+        </a:xfrm>
+      </p:grpSpPr>
+      <p:sp>
+        <p:nvSpPr>
+          <p:cNvPr id="2" name="Title 1" hidden="1">
+            <a:extLst>
+              <a:ext uri="{FF2B5EF4-FFF2-40B4-BE49-F238E27FC236}">
                 <a16:creationId xmlns:a16="http://schemas.microsoft.com/office/drawing/2014/main" id="{F0DECB97-8187-CC3C-14AE-98F3B4BA3047}"/>
               </a:ext>
             </a:extLst>
@@ -1443,7 +1537,7 @@
 </p:sld>
 </file>
 
-<file path=ppt/slides/slide11.xml><?xml version="1.0" encoding="utf-8"?>
+<file path=ppt/slides/slide12.xml><?xml version="1.0" encoding="utf-8"?>
 <p:sld xmlns:a="http://schemas.openxmlformats.org/drawingml/2006/main" xmlns:r="http://schemas.openxmlformats.org/officeDocument/2006/relationships" xmlns:p="http://schemas.openxmlformats.org/presentationml/2006/main">
   <p:cSld>
     <p:bg>
@@ -3546,6 +3640,36 @@
           </a:fontRef>
         </p:style>
       </p:cxnSp>
+      <p:pic>
+        <p:nvPicPr>
+          <p:cNvPr id="5" name="Picture 4">
+            <a:extLst>
+              <a:ext uri="{FF2B5EF4-FFF2-40B4-BE49-F238E27FC236}">
+                <a16:creationId xmlns:a16="http://schemas.microsoft.com/office/drawing/2014/main" id="{A21ACAC5-A5B7-58E5-07E9-88B9E925D8DF}"/>
+              </a:ext>
+            </a:extLst>
+          </p:cNvPr>
+          <p:cNvPicPr>
+            <a:picLocks noChangeAspect="1"/>
+          </p:cNvPicPr>
+          <p:nvPr/>
+        </p:nvPicPr>
+        <p:blipFill>
+          <a:blip r:embed="rId2"/>
+          <a:stretch>
+            <a:fillRect/>
+          </a:stretch>
+        </p:blipFill>
+        <p:spPr>
+          <a:xfrm>
+            <a:off x="321564" y="320040"/>
+            <a:ext cx="5136808" cy="6217920"/>
+          </a:xfrm>
+          <a:prstGeom prst="rect">
+            <a:avLst/>
+          </a:prstGeom>
+        </p:spPr>
+      </p:pic>
     </p:spTree>
     <p:extLst>
       <p:ext uri="{BB962C8B-B14F-4D97-AF65-F5344CB8AC3E}">
@@ -3560,6 +3684,198 @@
 </file>
 
 <file path=ppt/slides/slide8.xml><?xml version="1.0" encoding="utf-8"?>
+<p:sld xmlns:a="http://schemas.openxmlformats.org/drawingml/2006/main" xmlns:r="http://schemas.openxmlformats.org/officeDocument/2006/relationships" xmlns:p="http://schemas.openxmlformats.org/presentationml/2006/main">
+  <p:cSld>
+    <p:bg>
+      <p:bgPr>
+        <a:solidFill>
+          <a:schemeClr val="bg1">
+            <a:tint val="95000"/>
+            <a:satMod val="170000"/>
+          </a:schemeClr>
+        </a:solidFill>
+        <a:effectLst/>
+      </p:bgPr>
+    </p:bg>
+    <p:spTree>
+      <p:nvGrpSpPr>
+        <p:cNvPr id="1" name=""/>
+        <p:cNvGrpSpPr/>
+        <p:nvPr/>
+      </p:nvGrpSpPr>
+      <p:grpSpPr>
+        <a:xfrm>
+          <a:off x="0" y="0"/>
+          <a:ext cx="0" cy="0"/>
+          <a:chOff x="0" y="0"/>
+          <a:chExt cx="0" cy="0"/>
+        </a:xfrm>
+      </p:grpSpPr>
+      <p:sp>
+        <p:nvSpPr>
+          <p:cNvPr id="2" name="Title 1">
+            <a:extLst>
+              <a:ext uri="{FF2B5EF4-FFF2-40B4-BE49-F238E27FC236}">
+                <a16:creationId xmlns:a16="http://schemas.microsoft.com/office/drawing/2014/main" id="{6C38C380-5BEB-E3B9-E1C3-2A61334E8C0E}"/>
+              </a:ext>
+            </a:extLst>
+          </p:cNvPr>
+          <p:cNvSpPr>
+            <a:spLocks noGrp="1"/>
+          </p:cNvSpPr>
+          <p:nvPr>
+            <p:ph type="title"/>
+          </p:nvPr>
+        </p:nvSpPr>
+        <p:spPr>
+          <a:xfrm>
+            <a:off x="160774" y="4679311"/>
+            <a:ext cx="6159542" cy="1207269"/>
+          </a:xfrm>
+        </p:spPr>
+        <p:txBody>
+          <a:bodyPr vert="horz" lIns="91440" tIns="45720" rIns="91440" bIns="45720" rtlCol="0" anchor="b">
+            <a:normAutofit/>
+          </a:bodyPr>
+          <a:lstStyle/>
+          <a:p>
+            <a:pPr algn="ctr"/>
+            <a:r>
+              <a:rPr lang="en-US" sz="6000" dirty="0"/>
+              <a:t>End result</a:t>
+            </a:r>
+          </a:p>
+        </p:txBody>
+      </p:sp>
+      <p:pic>
+        <p:nvPicPr>
+          <p:cNvPr id="4" name="Picture 3">
+            <a:extLst>
+              <a:ext uri="{FF2B5EF4-FFF2-40B4-BE49-F238E27FC236}">
+                <a16:creationId xmlns:a16="http://schemas.microsoft.com/office/drawing/2014/main" id="{68EE36CA-B5F3-48EA-6442-F1F5170A2ECE}"/>
+              </a:ext>
+            </a:extLst>
+          </p:cNvPr>
+          <p:cNvPicPr>
+            <a:picLocks noChangeAspect="1"/>
+          </p:cNvPicPr>
+          <p:nvPr/>
+        </p:nvPicPr>
+        <p:blipFill>
+          <a:blip r:embed="rId2"/>
+          <a:stretch>
+            <a:fillRect/>
+          </a:stretch>
+        </p:blipFill>
+        <p:spPr>
+          <a:xfrm>
+            <a:off x="321734" y="547777"/>
+            <a:ext cx="5458816" cy="3532173"/>
+          </a:xfrm>
+          <a:prstGeom prst="rect">
+            <a:avLst/>
+          </a:prstGeom>
+        </p:spPr>
+      </p:pic>
+      <p:cxnSp>
+        <p:nvCxnSpPr>
+          <p:cNvPr id="28" name="Straight Connector 27">
+            <a:extLst>
+              <a:ext uri="{FF2B5EF4-FFF2-40B4-BE49-F238E27FC236}">
+                <a16:creationId xmlns:a16="http://schemas.microsoft.com/office/drawing/2014/main" id="{3D83F26F-C55B-4A92-9AFF-4894D14E27C5}"/>
+              </a:ext>
+              <a:ext uri="{C183D7F6-B498-43B3-948B-1728B52AA6E4}">
+                <adec:decorative xmlns:adec="http://schemas.microsoft.com/office/drawing/2017/decorative" val="1"/>
+              </a:ext>
+            </a:extLst>
+          </p:cNvPr>
+          <p:cNvCxnSpPr>
+            <a:cxnSpLocks noGrp="1" noRot="1" noChangeAspect="1" noMove="1" noResize="1" noEditPoints="1" noAdjustHandles="1" noChangeArrowheads="1" noChangeShapeType="1"/>
+          </p:cNvCxnSpPr>
+          <p:nvPr>
+            <p:extLst>
+              <p:ext uri="{386F3935-93C4-4BCD-93E2-E3B085C9AB24}">
+                <p16:designElem xmlns:p16="http://schemas.microsoft.com/office/powerpoint/2015/main" val="1"/>
+              </p:ext>
+            </p:extLst>
+          </p:nvPr>
+        </p:nvCxnSpPr>
+        <p:spPr>
+          <a:xfrm>
+            <a:off x="6096000" y="1253414"/>
+            <a:ext cx="0" cy="2120900"/>
+          </a:xfrm>
+          <a:prstGeom prst="line">
+            <a:avLst/>
+          </a:prstGeom>
+          <a:ln w="19050">
+            <a:solidFill>
+              <a:schemeClr val="tx1">
+                <a:lumMod val="75000"/>
+                <a:lumOff val="25000"/>
+              </a:schemeClr>
+            </a:solidFill>
+          </a:ln>
+        </p:spPr>
+        <p:style>
+          <a:lnRef idx="1">
+            <a:schemeClr val="accent1"/>
+          </a:lnRef>
+          <a:fillRef idx="0">
+            <a:schemeClr val="accent1"/>
+          </a:fillRef>
+          <a:effectRef idx="0">
+            <a:schemeClr val="accent1"/>
+          </a:effectRef>
+          <a:fontRef idx="minor">
+            <a:schemeClr val="tx1"/>
+          </a:fontRef>
+        </p:style>
+      </p:cxnSp>
+      <p:pic>
+        <p:nvPicPr>
+          <p:cNvPr id="5" name="Picture 4">
+            <a:extLst>
+              <a:ext uri="{FF2B5EF4-FFF2-40B4-BE49-F238E27FC236}">
+                <a16:creationId xmlns:a16="http://schemas.microsoft.com/office/drawing/2014/main" id="{14C04924-6DB2-A120-8DAF-8E49C7D8A049}"/>
+              </a:ext>
+            </a:extLst>
+          </p:cNvPr>
+          <p:cNvPicPr>
+            <a:picLocks noChangeAspect="1"/>
+          </p:cNvPicPr>
+          <p:nvPr/>
+        </p:nvPicPr>
+        <p:blipFill>
+          <a:blip r:embed="rId3"/>
+          <a:stretch>
+            <a:fillRect/>
+          </a:stretch>
+        </p:blipFill>
+        <p:spPr>
+          <a:xfrm>
+            <a:off x="6096000" y="351230"/>
+            <a:ext cx="5754601" cy="5754601"/>
+          </a:xfrm>
+          <a:prstGeom prst="rect">
+            <a:avLst/>
+          </a:prstGeom>
+        </p:spPr>
+      </p:pic>
+    </p:spTree>
+    <p:extLst>
+      <p:ext uri="{BB962C8B-B14F-4D97-AF65-F5344CB8AC3E}">
+        <p14:creationId xmlns:p14="http://schemas.microsoft.com/office/powerpoint/2010/main" val="2528039383"/>
+      </p:ext>
+    </p:extLst>
+  </p:cSld>
+  <p:clrMapOvr>
+    <a:overrideClrMapping bg1="dk1" tx1="lt1" bg2="dk2" tx2="lt2" accent1="accent1" accent2="accent2" accent3="accent3" accent4="accent4" accent5="accent5" accent6="accent6" hlink="hlink" folHlink="folHlink"/>
+  </p:clrMapOvr>
+</p:sld>
+</file>
+
+<file path=ppt/slides/slide9.xml><?xml version="1.0" encoding="utf-8"?>
 <p:sld xmlns:a="http://schemas.openxmlformats.org/drawingml/2006/main" xmlns:r="http://schemas.openxmlformats.org/officeDocument/2006/relationships" xmlns:p="http://schemas.openxmlformats.org/presentationml/2006/main">
   <p:cSld>
     <p:bg>
@@ -3714,99 +4030,6 @@
     <p:extLst>
       <p:ext uri="{BB962C8B-B14F-4D97-AF65-F5344CB8AC3E}">
         <p14:creationId xmlns:p14="http://schemas.microsoft.com/office/powerpoint/2010/main" val="2875166925"/>
-      </p:ext>
-    </p:extLst>
-  </p:cSld>
-  <p:clrMapOvr>
-    <a:masterClrMapping/>
-  </p:clrMapOvr>
-</p:sld>
-</file>
-
-<file path=ppt/slides/slide9.xml><?xml version="1.0" encoding="utf-8"?>
-<p:sld xmlns:a="http://schemas.openxmlformats.org/drawingml/2006/main" xmlns:r="http://schemas.openxmlformats.org/officeDocument/2006/relationships" xmlns:p="http://schemas.openxmlformats.org/presentationml/2006/main">
-  <p:cSld>
-    <p:bg>
-      <p:bgPr>
-        <a:noFill/>
-        <a:effectLst/>
-      </p:bgPr>
-    </p:bg>
-    <p:spTree>
-      <p:nvGrpSpPr>
-        <p:cNvPr id="1" name=""/>
-        <p:cNvGrpSpPr/>
-        <p:nvPr/>
-      </p:nvGrpSpPr>
-      <p:grpSpPr>
-        <a:xfrm>
-          <a:off x="0" y="0"/>
-          <a:ext cx="0" cy="0"/>
-          <a:chOff x="0" y="0"/>
-          <a:chExt cx="0" cy="0"/>
-        </a:xfrm>
-      </p:grpSpPr>
-      <p:sp>
-        <p:nvSpPr>
-          <p:cNvPr id="2" name="Title 1" hidden="1">
-            <a:extLst>
-              <a:ext uri="{FF2B5EF4-FFF2-40B4-BE49-F238E27FC236}">
-                <a16:creationId xmlns:a16="http://schemas.microsoft.com/office/drawing/2014/main" id="{A3862D7D-2613-3F9B-9769-8963F27BD131}"/>
-              </a:ext>
-            </a:extLst>
-          </p:cNvPr>
-          <p:cNvSpPr>
-            <a:spLocks noGrp="1"/>
-          </p:cNvSpPr>
-          <p:nvPr>
-            <p:ph type="title"/>
-          </p:nvPr>
-        </p:nvSpPr>
-        <p:spPr/>
-        <p:txBody>
-          <a:bodyPr/>
-          <a:lstStyle/>
-          <a:p>
-            <a:r>
-              <a:rPr lang="en-US"/>
-              <a:t>Causes of problems</a:t>
-            </a:r>
-            <a:endParaRPr lang="en-NL" dirty="0"/>
-          </a:p>
-        </p:txBody>
-      </p:sp>
-      <p:pic>
-        <p:nvPicPr>
-          <p:cNvPr id="3" name="Picture 2">
-            <a:extLst>
-              <a:ext uri="{FF2B5EF4-FFF2-40B4-BE49-F238E27FC236}">
-                <a16:creationId xmlns:a16="http://schemas.microsoft.com/office/drawing/2014/main" id="{78D36B7A-954C-C14E-18F1-4D4D0F533FB1}"/>
-              </a:ext>
-            </a:extLst>
-          </p:cNvPr>
-          <p:cNvPicPr/>
-          <p:nvPr/>
-        </p:nvPicPr>
-        <p:blipFill>
-          <a:blip r:embed="rId3"/>
-          <a:stretch>
-            <a:fillRect/>
-          </a:stretch>
-        </p:blipFill>
-        <p:spPr>
-          <a:xfrm>
-            <a:off x="0" y="0"/>
-            <a:ext cx="12192000" cy="6858000"/>
-          </a:xfrm>
-          <a:prstGeom prst="rect">
-            <a:avLst/>
-          </a:prstGeom>
-        </p:spPr>
-      </p:pic>
-    </p:spTree>
-    <p:extLst>
-      <p:ext uri="{BB962C8B-B14F-4D97-AF65-F5344CB8AC3E}">
-        <p14:creationId xmlns:p14="http://schemas.microsoft.com/office/powerpoint/2010/main" val="680026398"/>
       </p:ext>
     </p:extLst>
   </p:cSld>

--- a/Endpresentation.pptx
+++ b/Endpresentation.pptx
@@ -5,20 +5,21 @@
     <p:sldMasterId id="2147483648" r:id="rId1"/>
   </p:sldMasterIdLst>
   <p:notesMasterIdLst>
-    <p:notesMasterId r:id="rId13"/>
+    <p:notesMasterId r:id="rId14"/>
   </p:notesMasterIdLst>
   <p:sldIdLst>
     <p:sldId id="256" r:id="rId2"/>
     <p:sldId id="257" r:id="rId3"/>
     <p:sldId id="262" r:id="rId4"/>
-    <p:sldId id="263" r:id="rId5"/>
-    <p:sldId id="267" r:id="rId6"/>
-    <p:sldId id="265" r:id="rId7"/>
-    <p:sldId id="266" r:id="rId8"/>
-    <p:sldId id="258" r:id="rId9"/>
-    <p:sldId id="259" r:id="rId10"/>
-    <p:sldId id="260" r:id="rId11"/>
-    <p:sldId id="261" r:id="rId12"/>
+    <p:sldId id="269" r:id="rId5"/>
+    <p:sldId id="263" r:id="rId6"/>
+    <p:sldId id="267" r:id="rId7"/>
+    <p:sldId id="271" r:id="rId8"/>
+    <p:sldId id="265" r:id="rId9"/>
+    <p:sldId id="258" r:id="rId10"/>
+    <p:sldId id="259" r:id="rId11"/>
+    <p:sldId id="260" r:id="rId12"/>
+    <p:sldId id="261" r:id="rId13"/>
   </p:sldIdLst>
   <p:sldSz cx="12192000" cy="6858000"/>
   <p:notesSz cx="6858000" cy="9144000"/>
@@ -117,6 +118,11 @@
       </a:defRPr>
     </a:lvl9pPr>
   </p:defaultTextStyle>
+  <p:extLst>
+    <p:ext uri="{EFAFB233-063F-42B5-8137-9DF3F51BA10A}">
+      <p15:sldGuideLst xmlns:p15="http://schemas.microsoft.com/office/powerpoint/2012/main"/>
+    </p:ext>
+  </p:extLst>
 </p:presentation>
 </file>
 
@@ -202,7 +208,7 @@
           <a:p>
             <a:fld id="{81815CF5-840D-4B29-864F-91029BC9283B}" type="datetimeFigureOut">
               <a:rPr lang="en-NL" smtClean="0"/>
-              <a:t>16/06/2022</a:t>
+              <a:t>06/22/2022</a:t>
             </a:fld>
             <a:endParaRPr lang="en-NL"/>
           </a:p>
@@ -361,7 +367,7 @@
           <a:p>
             <a:fld id="{738E15E0-FA14-469F-BB41-5D207DD9574D}" type="slidenum">
               <a:rPr lang="en-NL" smtClean="0"/>
-              <a:t>‹#›</a:t>
+              <a:t>‹nr.›</a:t>
             </a:fld>
             <a:endParaRPr lang="en-NL"/>
           </a:p>
@@ -535,7 +541,7 @@
           <a:p>
             <a:fld id="{738E15E0-FA14-469F-BB41-5D207DD9574D}" type="slidenum">
               <a:rPr lang="en-NL" smtClean="0"/>
-              <a:t>9</a:t>
+              <a:t>10</a:t>
             </a:fld>
             <a:endParaRPr lang="en-NL"/>
           </a:p>
@@ -623,7 +629,7 @@
           <a:p>
             <a:fld id="{78430FB4-903C-468E-95C9-1628F7395FA4}" type="datetimeFigureOut">
               <a:rPr lang="en-NL" smtClean="0"/>
-              <a:t>16/06/2022</a:t>
+              <a:t>06/22/2022</a:t>
             </a:fld>
             <a:endParaRPr lang="en-NL"/>
           </a:p>
@@ -677,7 +683,7 @@
           <a:p>
             <a:fld id="{5FB693F1-1D0C-4FAE-B55E-4E3F2834CD48}" type="slidenum">
               <a:rPr lang="en-NL" smtClean="0"/>
-              <a:t>‹#›</a:t>
+              <a:t>‹nr.›</a:t>
             </a:fld>
             <a:endParaRPr lang="en-NL"/>
           </a:p>
@@ -866,7 +872,7 @@
           <a:p>
             <a:fld id="{78430FB4-903C-468E-95C9-1628F7395FA4}" type="datetimeFigureOut">
               <a:rPr lang="en-NL" smtClean="0"/>
-              <a:t>16/06/2022</a:t>
+              <a:t>06/22/2022</a:t>
             </a:fld>
             <a:endParaRPr lang="en-NL"/>
           </a:p>
@@ -956,7 +962,7 @@
           <a:p>
             <a:fld id="{5FB693F1-1D0C-4FAE-B55E-4E3F2834CD48}" type="slidenum">
               <a:rPr lang="en-NL" smtClean="0"/>
-              <a:t>‹#›</a:t>
+              <a:t>‹nr.›</a:t>
             </a:fld>
             <a:endParaRPr lang="en-NL"/>
           </a:p>
@@ -1329,7 +1335,7 @@
         </p:blipFill>
         <p:spPr>
           <a:xfrm>
-            <a:off x="0" y="0"/>
+            <a:off x="0" y="8389"/>
             <a:ext cx="12192000" cy="6858000"/>
           </a:xfrm>
           <a:prstGeom prst="rect">
@@ -1378,6 +1384,99 @@
           <p:cNvPr id="2" name="Title 1" hidden="1">
             <a:extLst>
               <a:ext uri="{FF2B5EF4-FFF2-40B4-BE49-F238E27FC236}">
+                <a16:creationId xmlns:a16="http://schemas.microsoft.com/office/drawing/2014/main" id="{A3862D7D-2613-3F9B-9769-8963F27BD131}"/>
+              </a:ext>
+            </a:extLst>
+          </p:cNvPr>
+          <p:cNvSpPr>
+            <a:spLocks noGrp="1"/>
+          </p:cNvSpPr>
+          <p:nvPr>
+            <p:ph type="title"/>
+          </p:nvPr>
+        </p:nvSpPr>
+        <p:spPr/>
+        <p:txBody>
+          <a:bodyPr/>
+          <a:lstStyle/>
+          <a:p>
+            <a:r>
+              <a:rPr lang="en-US"/>
+              <a:t>Causes of problems</a:t>
+            </a:r>
+            <a:endParaRPr lang="en-NL" dirty="0"/>
+          </a:p>
+        </p:txBody>
+      </p:sp>
+      <p:pic>
+        <p:nvPicPr>
+          <p:cNvPr id="3" name="Picture 2">
+            <a:extLst>
+              <a:ext uri="{FF2B5EF4-FFF2-40B4-BE49-F238E27FC236}">
+                <a16:creationId xmlns:a16="http://schemas.microsoft.com/office/drawing/2014/main" id="{78D36B7A-954C-C14E-18F1-4D4D0F533FB1}"/>
+              </a:ext>
+            </a:extLst>
+          </p:cNvPr>
+          <p:cNvPicPr/>
+          <p:nvPr/>
+        </p:nvPicPr>
+        <p:blipFill>
+          <a:blip r:embed="rId3"/>
+          <a:stretch>
+            <a:fillRect/>
+          </a:stretch>
+        </p:blipFill>
+        <p:spPr>
+          <a:xfrm>
+            <a:off x="0" y="0"/>
+            <a:ext cx="12192000" cy="6858000"/>
+          </a:xfrm>
+          <a:prstGeom prst="rect">
+            <a:avLst/>
+          </a:prstGeom>
+        </p:spPr>
+      </p:pic>
+    </p:spTree>
+    <p:extLst>
+      <p:ext uri="{BB962C8B-B14F-4D97-AF65-F5344CB8AC3E}">
+        <p14:creationId xmlns:p14="http://schemas.microsoft.com/office/powerpoint/2010/main" val="680026398"/>
+      </p:ext>
+    </p:extLst>
+  </p:cSld>
+  <p:clrMapOvr>
+    <a:masterClrMapping/>
+  </p:clrMapOvr>
+</p:sld>
+</file>
+
+<file path=ppt/slides/slide11.xml><?xml version="1.0" encoding="utf-8"?>
+<p:sld xmlns:a="http://schemas.openxmlformats.org/drawingml/2006/main" xmlns:r="http://schemas.openxmlformats.org/officeDocument/2006/relationships" xmlns:p="http://schemas.openxmlformats.org/presentationml/2006/main">
+  <p:cSld>
+    <p:bg>
+      <p:bgPr>
+        <a:noFill/>
+        <a:effectLst/>
+      </p:bgPr>
+    </p:bg>
+    <p:spTree>
+      <p:nvGrpSpPr>
+        <p:cNvPr id="1" name=""/>
+        <p:cNvGrpSpPr/>
+        <p:nvPr/>
+      </p:nvGrpSpPr>
+      <p:grpSpPr>
+        <a:xfrm>
+          <a:off x="0" y="0"/>
+          <a:ext cx="0" cy="0"/>
+          <a:chOff x="0" y="0"/>
+          <a:chExt cx="0" cy="0"/>
+        </a:xfrm>
+      </p:grpSpPr>
+      <p:sp>
+        <p:nvSpPr>
+          <p:cNvPr id="2" name="Title 1" hidden="1">
+            <a:extLst>
+              <a:ext uri="{FF2B5EF4-FFF2-40B4-BE49-F238E27FC236}">
                 <a16:creationId xmlns:a16="http://schemas.microsoft.com/office/drawing/2014/main" id="{F0DECB97-8187-CC3C-14AE-98F3B4BA3047}"/>
               </a:ext>
             </a:extLst>
@@ -1443,7 +1542,7 @@
 </p:sld>
 </file>
 
-<file path=ppt/slides/slide11.xml><?xml version="1.0" encoding="utf-8"?>
+<file path=ppt/slides/slide12.xml><?xml version="1.0" encoding="utf-8"?>
 <p:sld xmlns:a="http://schemas.openxmlformats.org/drawingml/2006/main" xmlns:r="http://schemas.openxmlformats.org/officeDocument/2006/relationships" xmlns:p="http://schemas.openxmlformats.org/presentationml/2006/main">
   <p:cSld>
     <p:bg>
@@ -2654,8 +2753,8 @@
         </p:nvSpPr>
         <p:spPr>
           <a:xfrm>
-            <a:off x="794623" y="522514"/>
-            <a:ext cx="5936370" cy="1077703"/>
+            <a:off x="794622" y="522514"/>
+            <a:ext cx="7535646" cy="1077703"/>
           </a:xfrm>
         </p:spPr>
         <p:txBody>
@@ -2665,12 +2764,20 @@
           <a:lstStyle/>
           <a:p>
             <a:r>
-              <a:rPr lang="en-US" sz="7200">
+              <a:rPr lang="en-US" sz="7200" dirty="0" err="1">
                 <a:solidFill>
                   <a:srgbClr val="FFFFFF"/>
                 </a:solidFill>
               </a:rPr>
-              <a:t>The pipeline</a:t>
+              <a:t>HDBcluster</a:t>
+            </a:r>
+            <a:r>
+              <a:rPr lang="en-US" sz="7200" dirty="0">
+                <a:solidFill>
+                  <a:srgbClr val="FFFFFF"/>
+                </a:solidFill>
+              </a:rPr>
+              <a:t> algorithm</a:t>
             </a:r>
             <a:endParaRPr lang="en-US" sz="7200" kern="1200" dirty="0">
               <a:solidFill>
@@ -2683,45 +2790,170 @@
           </a:p>
         </p:txBody>
       </p:sp>
-      <p:pic>
-        <p:nvPicPr>
-          <p:cNvPr id="4" name="Picture 3" descr="Diagram&#10;&#10;Description automatically generated">
+      <p:sp>
+        <p:nvSpPr>
+          <p:cNvPr id="3" name="Tekstvak 2">
             <a:extLst>
               <a:ext uri="{FF2B5EF4-FFF2-40B4-BE49-F238E27FC236}">
-                <a16:creationId xmlns:a16="http://schemas.microsoft.com/office/drawing/2014/main" id="{E9244849-D715-F092-4764-6894AEF6605A}"/>
+                <a16:creationId xmlns:a16="http://schemas.microsoft.com/office/drawing/2014/main" id="{1136836C-A1AB-0708-7E5F-BCB8B1155D5C}"/>
               </a:ext>
             </a:extLst>
           </p:cNvPr>
-          <p:cNvPicPr>
-            <a:picLocks noChangeAspect="1"/>
-          </p:cNvPicPr>
+          <p:cNvSpPr txBox="1"/>
           <p:nvPr/>
-        </p:nvPicPr>
-        <p:blipFill rotWithShape="1">
-          <a:blip r:embed="rId2">
-            <a:extLst>
-              <a:ext uri="{28A0092B-C50C-407E-A947-70E740481C1C}">
-                <a14:useLocalDpi xmlns:a14="http://schemas.microsoft.com/office/drawing/2010/main" val="0"/>
-              </a:ext>
-            </a:extLst>
-          </a:blip>
-          <a:srcRect b="66022"/>
-          <a:stretch/>
-        </p:blipFill>
+        </p:nvSpPr>
         <p:spPr>
           <a:xfrm>
-            <a:off x="2521447" y="2263877"/>
-            <a:ext cx="7277649" cy="3497826"/>
+            <a:off x="956345" y="1600217"/>
+            <a:ext cx="8841996" cy="4247317"/>
           </a:xfrm>
           <a:prstGeom prst="rect">
             <a:avLst/>
           </a:prstGeom>
+          <a:noFill/>
         </p:spPr>
-      </p:pic>
+        <p:txBody>
+          <a:bodyPr wrap="square" rtlCol="0">
+            <a:spAutoFit/>
+          </a:bodyPr>
+          <a:lstStyle/>
+          <a:p>
+            <a:pPr marL="285750" indent="-285750">
+              <a:buFontTx/>
+              <a:buChar char="-"/>
+            </a:pPr>
+            <a:r>
+              <a:rPr lang="en-US" dirty="0"/>
+              <a:t>Checks size of input data</a:t>
+            </a:r>
+          </a:p>
+          <a:p>
+            <a:pPr marL="742950" lvl="1" indent="-285750">
+              <a:buFontTx/>
+              <a:buChar char="-"/>
+            </a:pPr>
+            <a:r>
+              <a:rPr lang="en-US" dirty="0"/>
+              <a:t>If size is to big, random samples a set number of points</a:t>
+            </a:r>
+          </a:p>
+          <a:p>
+            <a:pPr marL="742950" lvl="1" indent="-285750">
+              <a:buFontTx/>
+              <a:buChar char="-"/>
+            </a:pPr>
+            <a:endParaRPr lang="en-US" dirty="0"/>
+          </a:p>
+          <a:p>
+            <a:pPr marL="285750" indent="-285750">
+              <a:buFontTx/>
+              <a:buChar char="-"/>
+            </a:pPr>
+            <a:r>
+              <a:rPr lang="en-US" dirty="0"/>
+              <a:t>Select FSC and SSC columns</a:t>
+            </a:r>
+          </a:p>
+          <a:p>
+            <a:pPr marL="285750" indent="-285750">
+              <a:buFontTx/>
+              <a:buChar char="-"/>
+            </a:pPr>
+            <a:endParaRPr lang="en-US" dirty="0"/>
+          </a:p>
+          <a:p>
+            <a:pPr marL="285750" indent="-285750">
+              <a:buFontTx/>
+              <a:buChar char="-"/>
+            </a:pPr>
+            <a:r>
+              <a:rPr lang="en-US" dirty="0"/>
+              <a:t>Replace all NAs with columns mean</a:t>
+            </a:r>
+          </a:p>
+          <a:p>
+            <a:pPr marL="285750" indent="-285750">
+              <a:buFontTx/>
+              <a:buChar char="-"/>
+            </a:pPr>
+            <a:endParaRPr lang="en-US" dirty="0"/>
+          </a:p>
+          <a:p>
+            <a:pPr marL="285750" indent="-285750">
+              <a:buFontTx/>
+              <a:buChar char="-"/>
+            </a:pPr>
+            <a:r>
+              <a:rPr lang="en-US" dirty="0"/>
+              <a:t>Log2 transform data</a:t>
+            </a:r>
+          </a:p>
+          <a:p>
+            <a:pPr marL="285750" indent="-285750">
+              <a:buFontTx/>
+              <a:buChar char="-"/>
+            </a:pPr>
+            <a:endParaRPr lang="en-US" dirty="0"/>
+          </a:p>
+          <a:p>
+            <a:pPr marL="285750" indent="-285750">
+              <a:buFontTx/>
+              <a:buChar char="-"/>
+            </a:pPr>
+            <a:r>
+              <a:rPr lang="en-US" dirty="0"/>
+              <a:t>Preform density-based clustering with </a:t>
+            </a:r>
+            <a:r>
+              <a:rPr lang="en-US" dirty="0" err="1"/>
+              <a:t>NumOfPts</a:t>
+            </a:r>
+            <a:endParaRPr lang="en-US" dirty="0"/>
+          </a:p>
+          <a:p>
+            <a:pPr marL="285750" indent="-285750">
+              <a:buFontTx/>
+              <a:buChar char="-"/>
+            </a:pPr>
+            <a:endParaRPr lang="en-US" dirty="0"/>
+          </a:p>
+          <a:p>
+            <a:pPr marL="285750" indent="-285750">
+              <a:buFontTx/>
+              <a:buChar char="-"/>
+            </a:pPr>
+            <a:r>
+              <a:rPr lang="en-US" dirty="0"/>
+              <a:t>Return plot with clusters and statistics</a:t>
+            </a:r>
+          </a:p>
+          <a:p>
+            <a:pPr marL="285750" indent="-285750">
+              <a:buFontTx/>
+              <a:buChar char="-"/>
+            </a:pPr>
+            <a:endParaRPr lang="en-US" dirty="0"/>
+          </a:p>
+          <a:p>
+            <a:pPr marL="285750" indent="-285750">
+              <a:buFontTx/>
+              <a:buChar char="-"/>
+            </a:pPr>
+            <a:endParaRPr lang="en-US" dirty="0"/>
+          </a:p>
+          <a:p>
+            <a:pPr marL="285750" indent="-285750">
+              <a:buFontTx/>
+              <a:buChar char="-"/>
+            </a:pPr>
+            <a:endParaRPr lang="en-US" dirty="0"/>
+          </a:p>
+        </p:txBody>
+      </p:sp>
     </p:spTree>
     <p:extLst>
       <p:ext uri="{BB962C8B-B14F-4D97-AF65-F5344CB8AC3E}">
-        <p14:creationId xmlns:p14="http://schemas.microsoft.com/office/powerpoint/2010/main" val="2232117874"/>
+        <p14:creationId xmlns:p14="http://schemas.microsoft.com/office/powerpoint/2010/main" val="345367536"/>
       </p:ext>
     </p:extLst>
   </p:cSld>
@@ -3065,6 +3297,406 @@
           <a:lstStyle/>
           <a:p>
             <a:r>
+              <a:rPr lang="en-US" sz="7200">
+                <a:solidFill>
+                  <a:srgbClr val="FFFFFF"/>
+                </a:solidFill>
+              </a:rPr>
+              <a:t>The pipeline</a:t>
+            </a:r>
+            <a:endParaRPr lang="en-US" sz="7200" kern="1200" dirty="0">
+              <a:solidFill>
+                <a:srgbClr val="FFFFFF"/>
+              </a:solidFill>
+              <a:latin typeface="+mj-lt"/>
+              <a:ea typeface="+mj-ea"/>
+              <a:cs typeface="+mj-cs"/>
+            </a:endParaRPr>
+          </a:p>
+        </p:txBody>
+      </p:sp>
+      <p:pic>
+        <p:nvPicPr>
+          <p:cNvPr id="4" name="Picture 3" descr="Diagram&#10;&#10;Description automatically generated">
+            <a:extLst>
+              <a:ext uri="{FF2B5EF4-FFF2-40B4-BE49-F238E27FC236}">
+                <a16:creationId xmlns:a16="http://schemas.microsoft.com/office/drawing/2014/main" id="{E9244849-D715-F092-4764-6894AEF6605A}"/>
+              </a:ext>
+            </a:extLst>
+          </p:cNvPr>
+          <p:cNvPicPr>
+            <a:picLocks noChangeAspect="1"/>
+          </p:cNvPicPr>
+          <p:nvPr/>
+        </p:nvPicPr>
+        <p:blipFill rotWithShape="1">
+          <a:blip r:embed="rId2">
+            <a:extLst>
+              <a:ext uri="{28A0092B-C50C-407E-A947-70E740481C1C}">
+                <a14:useLocalDpi xmlns:a14="http://schemas.microsoft.com/office/drawing/2010/main" val="0"/>
+              </a:ext>
+            </a:extLst>
+          </a:blip>
+          <a:srcRect b="66022"/>
+          <a:stretch/>
+        </p:blipFill>
+        <p:spPr>
+          <a:xfrm>
+            <a:off x="2521447" y="2263877"/>
+            <a:ext cx="7277649" cy="3497826"/>
+          </a:xfrm>
+          <a:prstGeom prst="rect">
+            <a:avLst/>
+          </a:prstGeom>
+        </p:spPr>
+      </p:pic>
+    </p:spTree>
+    <p:extLst>
+      <p:ext uri="{BB962C8B-B14F-4D97-AF65-F5344CB8AC3E}">
+        <p14:creationId xmlns:p14="http://schemas.microsoft.com/office/powerpoint/2010/main" val="2232117874"/>
+      </p:ext>
+    </p:extLst>
+  </p:cSld>
+  <p:clrMapOvr>
+    <a:overrideClrMapping bg1="dk1" tx1="lt1" bg2="dk2" tx2="lt2" accent1="accent1" accent2="accent2" accent3="accent3" accent4="accent4" accent5="accent5" accent6="accent6" hlink="hlink" folHlink="folHlink"/>
+  </p:clrMapOvr>
+</p:sld>
+</file>
+
+<file path=ppt/slides/slide6.xml><?xml version="1.0" encoding="utf-8"?>
+<p:sld xmlns:a="http://schemas.openxmlformats.org/drawingml/2006/main" xmlns:r="http://schemas.openxmlformats.org/officeDocument/2006/relationships" xmlns:p="http://schemas.openxmlformats.org/presentationml/2006/main">
+  <p:cSld>
+    <p:bg>
+      <p:bgPr>
+        <a:solidFill>
+          <a:schemeClr val="bg1">
+            <a:tint val="95000"/>
+            <a:satMod val="170000"/>
+          </a:schemeClr>
+        </a:solidFill>
+        <a:effectLst/>
+      </p:bgPr>
+    </p:bg>
+    <p:spTree>
+      <p:nvGrpSpPr>
+        <p:cNvPr id="1" name=""/>
+        <p:cNvGrpSpPr/>
+        <p:nvPr/>
+      </p:nvGrpSpPr>
+      <p:grpSpPr>
+        <a:xfrm>
+          <a:off x="0" y="0"/>
+          <a:ext cx="0" cy="0"/>
+          <a:chOff x="0" y="0"/>
+          <a:chExt cx="0" cy="0"/>
+        </a:xfrm>
+      </p:grpSpPr>
+      <p:sp>
+        <p:nvSpPr>
+          <p:cNvPr id="16" name="Freeform: Shape 15">
+            <a:extLst>
+              <a:ext uri="{FF2B5EF4-FFF2-40B4-BE49-F238E27FC236}">
+                <a16:creationId xmlns:a16="http://schemas.microsoft.com/office/drawing/2014/main" id="{26BDCA6B-3C9C-4213-A0D9-30BD5F0B073E}"/>
+              </a:ext>
+              <a:ext uri="{C183D7F6-B498-43B3-948B-1728B52AA6E4}">
+                <adec:decorative xmlns:adec="http://schemas.microsoft.com/office/drawing/2017/decorative" val="1"/>
+              </a:ext>
+            </a:extLst>
+          </p:cNvPr>
+          <p:cNvSpPr>
+            <a:spLocks noGrp="1" noRot="1" noChangeAspect="1" noMove="1" noResize="1" noEditPoints="1" noAdjustHandles="1" noChangeArrowheads="1" noChangeShapeType="1" noTextEdit="1"/>
+          </p:cNvSpPr>
+          <p:nvPr>
+            <p:extLst>
+              <p:ext uri="{386F3935-93C4-4BCD-93E2-E3B085C9AB24}">
+                <p16:designElem xmlns:p16="http://schemas.microsoft.com/office/powerpoint/2015/main" val="1"/>
+              </p:ext>
+            </p:extLst>
+          </p:nvPr>
+        </p:nvSpPr>
+        <p:spPr>
+          <a:xfrm flipH="1" flipV="1">
+            <a:off x="0" y="0"/>
+            <a:ext cx="8426302" cy="6858000"/>
+          </a:xfrm>
+          <a:custGeom>
+            <a:avLst/>
+            <a:gdLst>
+              <a:gd name="connsiteX0" fmla="*/ 184095 w 8426302"/>
+              <a:gd name="connsiteY0" fmla="*/ 6858000 h 6858000"/>
+              <a:gd name="connsiteX1" fmla="*/ 8426302 w 8426302"/>
+              <a:gd name="connsiteY1" fmla="*/ 6858000 h 6858000"/>
+              <a:gd name="connsiteX2" fmla="*/ 8426302 w 8426302"/>
+              <a:gd name="connsiteY2" fmla="*/ 0 h 6858000"/>
+              <a:gd name="connsiteX3" fmla="*/ 2743435 w 8426302"/>
+              <a:gd name="connsiteY3" fmla="*/ 0 h 6858000"/>
+              <a:gd name="connsiteX4" fmla="*/ 2688451 w 8426302"/>
+              <a:gd name="connsiteY4" fmla="*/ 37385 h 6858000"/>
+              <a:gd name="connsiteX5" fmla="*/ 0 w 8426302"/>
+              <a:gd name="connsiteY5" fmla="*/ 5321277 h 6858000"/>
+              <a:gd name="connsiteX6" fmla="*/ 116943 w 8426302"/>
+              <a:gd name="connsiteY6" fmla="*/ 6558484 h 6858000"/>
+            </a:gdLst>
+            <a:ahLst/>
+            <a:cxnLst>
+              <a:cxn ang="0">
+                <a:pos x="connsiteX0" y="connsiteY0"/>
+              </a:cxn>
+              <a:cxn ang="0">
+                <a:pos x="connsiteX1" y="connsiteY1"/>
+              </a:cxn>
+              <a:cxn ang="0">
+                <a:pos x="connsiteX2" y="connsiteY2"/>
+              </a:cxn>
+              <a:cxn ang="0">
+                <a:pos x="connsiteX3" y="connsiteY3"/>
+              </a:cxn>
+              <a:cxn ang="0">
+                <a:pos x="connsiteX4" y="connsiteY4"/>
+              </a:cxn>
+              <a:cxn ang="0">
+                <a:pos x="connsiteX5" y="connsiteY5"/>
+              </a:cxn>
+              <a:cxn ang="0">
+                <a:pos x="connsiteX6" y="connsiteY6"/>
+              </a:cxn>
+            </a:cxnLst>
+            <a:rect l="l" t="t" r="r" b="b"/>
+            <a:pathLst>
+              <a:path w="8426302" h="6858000">
+                <a:moveTo>
+                  <a:pt x="184095" y="6858000"/>
+                </a:moveTo>
+                <a:lnTo>
+                  <a:pt x="8426302" y="6858000"/>
+                </a:lnTo>
+                <a:lnTo>
+                  <a:pt x="8426302" y="0"/>
+                </a:lnTo>
+                <a:lnTo>
+                  <a:pt x="2743435" y="0"/>
+                </a:lnTo>
+                <a:lnTo>
+                  <a:pt x="2688451" y="37385"/>
+                </a:lnTo>
+                <a:cubicBezTo>
+                  <a:pt x="1058888" y="1225893"/>
+                  <a:pt x="0" y="3149927"/>
+                  <a:pt x="0" y="5321277"/>
+                </a:cubicBezTo>
+                <a:cubicBezTo>
+                  <a:pt x="0" y="5744268"/>
+                  <a:pt x="40184" y="6157873"/>
+                  <a:pt x="116943" y="6558484"/>
+                </a:cubicBezTo>
+                <a:close/>
+              </a:path>
+            </a:pathLst>
+          </a:custGeom>
+          <a:solidFill>
+            <a:schemeClr val="tx1">
+              <a:alpha val="80000"/>
+            </a:schemeClr>
+          </a:solidFill>
+          <a:ln>
+            <a:noFill/>
+          </a:ln>
+        </p:spPr>
+        <p:style>
+          <a:lnRef idx="2">
+            <a:schemeClr val="accent1">
+              <a:shade val="50000"/>
+            </a:schemeClr>
+          </a:lnRef>
+          <a:fillRef idx="1">
+            <a:schemeClr val="accent1"/>
+          </a:fillRef>
+          <a:effectRef idx="0">
+            <a:schemeClr val="accent1"/>
+          </a:effectRef>
+          <a:fontRef idx="minor">
+            <a:schemeClr val="lt1"/>
+          </a:fontRef>
+        </p:style>
+        <p:txBody>
+          <a:bodyPr wrap="square" rtlCol="0" anchor="ctr">
+            <a:noAutofit/>
+          </a:bodyPr>
+          <a:lstStyle/>
+          <a:p>
+            <a:pPr algn="ctr"/>
+            <a:endParaRPr lang="en-US"/>
+          </a:p>
+        </p:txBody>
+      </p:sp>
+      <p:sp>
+        <p:nvSpPr>
+          <p:cNvPr id="18" name="Freeform: Shape 17">
+            <a:extLst>
+              <a:ext uri="{FF2B5EF4-FFF2-40B4-BE49-F238E27FC236}">
+                <a16:creationId xmlns:a16="http://schemas.microsoft.com/office/drawing/2014/main" id="{FDA12F62-867F-4684-B28B-E085D09DCC06}"/>
+              </a:ext>
+              <a:ext uri="{C183D7F6-B498-43B3-948B-1728B52AA6E4}">
+                <adec:decorative xmlns:adec="http://schemas.microsoft.com/office/drawing/2017/decorative" val="1"/>
+              </a:ext>
+            </a:extLst>
+          </p:cNvPr>
+          <p:cNvSpPr>
+            <a:spLocks noGrp="1" noRot="1" noChangeAspect="1" noMove="1" noResize="1" noEditPoints="1" noAdjustHandles="1" noChangeArrowheads="1" noChangeShapeType="1" noTextEdit="1"/>
+          </p:cNvSpPr>
+          <p:nvPr>
+            <p:extLst>
+              <p:ext uri="{386F3935-93C4-4BCD-93E2-E3B085C9AB24}">
+                <p16:designElem xmlns:p16="http://schemas.microsoft.com/office/powerpoint/2015/main" val="1"/>
+              </p:ext>
+            </p:extLst>
+          </p:nvPr>
+        </p:nvSpPr>
+        <p:spPr>
+          <a:xfrm flipH="1" flipV="1">
+            <a:off x="0" y="0"/>
+            <a:ext cx="8174932" cy="6858000"/>
+          </a:xfrm>
+          <a:custGeom>
+            <a:avLst/>
+            <a:gdLst>
+              <a:gd name="connsiteX0" fmla="*/ 190266 w 8174932"/>
+              <a:gd name="connsiteY0" fmla="*/ 6858000 h 6858000"/>
+              <a:gd name="connsiteX1" fmla="*/ 8174932 w 8174932"/>
+              <a:gd name="connsiteY1" fmla="*/ 6858000 h 6858000"/>
+              <a:gd name="connsiteX2" fmla="*/ 8174932 w 8174932"/>
+              <a:gd name="connsiteY2" fmla="*/ 0 h 6858000"/>
+              <a:gd name="connsiteX3" fmla="*/ 2944847 w 8174932"/>
+              <a:gd name="connsiteY3" fmla="*/ 0 h 6858000"/>
+              <a:gd name="connsiteX4" fmla="*/ 2646373 w 8174932"/>
+              <a:gd name="connsiteY4" fmla="*/ 196447 h 6858000"/>
+              <a:gd name="connsiteX5" fmla="*/ 0 w 8174932"/>
+              <a:gd name="connsiteY5" fmla="*/ 5321277 h 6858000"/>
+              <a:gd name="connsiteX6" fmla="*/ 112445 w 8174932"/>
+              <a:gd name="connsiteY6" fmla="*/ 6510898 h 6858000"/>
+            </a:gdLst>
+            <a:ahLst/>
+            <a:cxnLst>
+              <a:cxn ang="0">
+                <a:pos x="connsiteX0" y="connsiteY0"/>
+              </a:cxn>
+              <a:cxn ang="0">
+                <a:pos x="connsiteX1" y="connsiteY1"/>
+              </a:cxn>
+              <a:cxn ang="0">
+                <a:pos x="connsiteX2" y="connsiteY2"/>
+              </a:cxn>
+              <a:cxn ang="0">
+                <a:pos x="connsiteX3" y="connsiteY3"/>
+              </a:cxn>
+              <a:cxn ang="0">
+                <a:pos x="connsiteX4" y="connsiteY4"/>
+              </a:cxn>
+              <a:cxn ang="0">
+                <a:pos x="connsiteX5" y="connsiteY5"/>
+              </a:cxn>
+              <a:cxn ang="0">
+                <a:pos x="connsiteX6" y="connsiteY6"/>
+              </a:cxn>
+            </a:cxnLst>
+            <a:rect l="l" t="t" r="r" b="b"/>
+            <a:pathLst>
+              <a:path w="8174932" h="6858000">
+                <a:moveTo>
+                  <a:pt x="190266" y="6858000"/>
+                </a:moveTo>
+                <a:lnTo>
+                  <a:pt x="8174932" y="6858000"/>
+                </a:lnTo>
+                <a:lnTo>
+                  <a:pt x="8174932" y="0"/>
+                </a:lnTo>
+                <a:lnTo>
+                  <a:pt x="2944847" y="0"/>
+                </a:lnTo>
+                <a:lnTo>
+                  <a:pt x="2646373" y="196447"/>
+                </a:lnTo>
+                <a:cubicBezTo>
+                  <a:pt x="1044779" y="1335395"/>
+                  <a:pt x="0" y="3206327"/>
+                  <a:pt x="0" y="5321277"/>
+                </a:cubicBezTo>
+                <a:cubicBezTo>
+                  <a:pt x="0" y="5727999"/>
+                  <a:pt x="38639" y="6125696"/>
+                  <a:pt x="112445" y="6510898"/>
+                </a:cubicBezTo>
+                <a:close/>
+              </a:path>
+            </a:pathLst>
+          </a:custGeom>
+          <a:solidFill>
+            <a:schemeClr val="bg1">
+              <a:lumMod val="65000"/>
+              <a:lumOff val="35000"/>
+            </a:schemeClr>
+          </a:solidFill>
+          <a:ln>
+            <a:noFill/>
+          </a:ln>
+        </p:spPr>
+        <p:style>
+          <a:lnRef idx="2">
+            <a:schemeClr val="accent1">
+              <a:shade val="50000"/>
+            </a:schemeClr>
+          </a:lnRef>
+          <a:fillRef idx="1">
+            <a:schemeClr val="accent1"/>
+          </a:fillRef>
+          <a:effectRef idx="0">
+            <a:schemeClr val="accent1"/>
+          </a:effectRef>
+          <a:fontRef idx="minor">
+            <a:schemeClr val="lt1"/>
+          </a:fontRef>
+        </p:style>
+        <p:txBody>
+          <a:bodyPr wrap="square" rtlCol="0" anchor="ctr">
+            <a:noAutofit/>
+          </a:bodyPr>
+          <a:lstStyle/>
+          <a:p>
+            <a:pPr algn="ctr"/>
+            <a:endParaRPr lang="en-US"/>
+          </a:p>
+        </p:txBody>
+      </p:sp>
+      <p:sp>
+        <p:nvSpPr>
+          <p:cNvPr id="2" name="Title 1">
+            <a:extLst>
+              <a:ext uri="{FF2B5EF4-FFF2-40B4-BE49-F238E27FC236}">
+                <a16:creationId xmlns:a16="http://schemas.microsoft.com/office/drawing/2014/main" id="{C08B412E-4A4E-416C-193A-A843439998A9}"/>
+              </a:ext>
+            </a:extLst>
+          </p:cNvPr>
+          <p:cNvSpPr>
+            <a:spLocks noGrp="1"/>
+          </p:cNvSpPr>
+          <p:nvPr>
+            <p:ph type="title"/>
+          </p:nvPr>
+        </p:nvSpPr>
+        <p:spPr>
+          <a:xfrm>
+            <a:off x="794623" y="522514"/>
+            <a:ext cx="5936370" cy="1077703"/>
+          </a:xfrm>
+        </p:spPr>
+        <p:txBody>
+          <a:bodyPr vert="horz" lIns="91440" tIns="45720" rIns="91440" bIns="45720" rtlCol="0" anchor="b">
+            <a:normAutofit fontScale="90000"/>
+          </a:bodyPr>
+          <a:lstStyle/>
+          <a:p>
+            <a:r>
               <a:rPr lang="en-US" sz="7200" dirty="0">
                 <a:solidFill>
                   <a:srgbClr val="FFFFFF"/>
@@ -3131,7 +3763,400 @@
 </p:sld>
 </file>
 
-<file path=ppt/slides/slide6.xml><?xml version="1.0" encoding="utf-8"?>
+<file path=ppt/slides/slide7.xml><?xml version="1.0" encoding="utf-8"?>
+<p:sld xmlns:a="http://schemas.openxmlformats.org/drawingml/2006/main" xmlns:r="http://schemas.openxmlformats.org/officeDocument/2006/relationships" xmlns:p="http://schemas.openxmlformats.org/presentationml/2006/main">
+  <p:cSld>
+    <p:bg>
+      <p:bgPr>
+        <a:solidFill>
+          <a:schemeClr val="bg1">
+            <a:tint val="95000"/>
+            <a:satMod val="170000"/>
+          </a:schemeClr>
+        </a:solidFill>
+        <a:effectLst/>
+      </p:bgPr>
+    </p:bg>
+    <p:spTree>
+      <p:nvGrpSpPr>
+        <p:cNvPr id="1" name=""/>
+        <p:cNvGrpSpPr/>
+        <p:nvPr/>
+      </p:nvGrpSpPr>
+      <p:grpSpPr>
+        <a:xfrm>
+          <a:off x="0" y="0"/>
+          <a:ext cx="0" cy="0"/>
+          <a:chOff x="0" y="0"/>
+          <a:chExt cx="0" cy="0"/>
+        </a:xfrm>
+      </p:grpSpPr>
+      <p:sp>
+        <p:nvSpPr>
+          <p:cNvPr id="16" name="Freeform: Shape 15">
+            <a:extLst>
+              <a:ext uri="{FF2B5EF4-FFF2-40B4-BE49-F238E27FC236}">
+                <a16:creationId xmlns:a16="http://schemas.microsoft.com/office/drawing/2014/main" id="{26BDCA6B-3C9C-4213-A0D9-30BD5F0B073E}"/>
+              </a:ext>
+              <a:ext uri="{C183D7F6-B498-43B3-948B-1728B52AA6E4}">
+                <adec:decorative xmlns:adec="http://schemas.microsoft.com/office/drawing/2017/decorative" val="1"/>
+              </a:ext>
+            </a:extLst>
+          </p:cNvPr>
+          <p:cNvSpPr>
+            <a:spLocks noGrp="1" noRot="1" noChangeAspect="1" noMove="1" noResize="1" noEditPoints="1" noAdjustHandles="1" noChangeArrowheads="1" noChangeShapeType="1" noTextEdit="1"/>
+          </p:cNvSpPr>
+          <p:nvPr>
+            <p:extLst>
+              <p:ext uri="{386F3935-93C4-4BCD-93E2-E3B085C9AB24}">
+                <p16:designElem xmlns:p16="http://schemas.microsoft.com/office/powerpoint/2015/main" val="1"/>
+              </p:ext>
+            </p:extLst>
+          </p:nvPr>
+        </p:nvSpPr>
+        <p:spPr>
+          <a:xfrm flipH="1" flipV="1">
+            <a:off x="0" y="0"/>
+            <a:ext cx="8426302" cy="6858000"/>
+          </a:xfrm>
+          <a:custGeom>
+            <a:avLst/>
+            <a:gdLst>
+              <a:gd name="connsiteX0" fmla="*/ 184095 w 8426302"/>
+              <a:gd name="connsiteY0" fmla="*/ 6858000 h 6858000"/>
+              <a:gd name="connsiteX1" fmla="*/ 8426302 w 8426302"/>
+              <a:gd name="connsiteY1" fmla="*/ 6858000 h 6858000"/>
+              <a:gd name="connsiteX2" fmla="*/ 8426302 w 8426302"/>
+              <a:gd name="connsiteY2" fmla="*/ 0 h 6858000"/>
+              <a:gd name="connsiteX3" fmla="*/ 2743435 w 8426302"/>
+              <a:gd name="connsiteY3" fmla="*/ 0 h 6858000"/>
+              <a:gd name="connsiteX4" fmla="*/ 2688451 w 8426302"/>
+              <a:gd name="connsiteY4" fmla="*/ 37385 h 6858000"/>
+              <a:gd name="connsiteX5" fmla="*/ 0 w 8426302"/>
+              <a:gd name="connsiteY5" fmla="*/ 5321277 h 6858000"/>
+              <a:gd name="connsiteX6" fmla="*/ 116943 w 8426302"/>
+              <a:gd name="connsiteY6" fmla="*/ 6558484 h 6858000"/>
+            </a:gdLst>
+            <a:ahLst/>
+            <a:cxnLst>
+              <a:cxn ang="0">
+                <a:pos x="connsiteX0" y="connsiteY0"/>
+              </a:cxn>
+              <a:cxn ang="0">
+                <a:pos x="connsiteX1" y="connsiteY1"/>
+              </a:cxn>
+              <a:cxn ang="0">
+                <a:pos x="connsiteX2" y="connsiteY2"/>
+              </a:cxn>
+              <a:cxn ang="0">
+                <a:pos x="connsiteX3" y="connsiteY3"/>
+              </a:cxn>
+              <a:cxn ang="0">
+                <a:pos x="connsiteX4" y="connsiteY4"/>
+              </a:cxn>
+              <a:cxn ang="0">
+                <a:pos x="connsiteX5" y="connsiteY5"/>
+              </a:cxn>
+              <a:cxn ang="0">
+                <a:pos x="connsiteX6" y="connsiteY6"/>
+              </a:cxn>
+            </a:cxnLst>
+            <a:rect l="l" t="t" r="r" b="b"/>
+            <a:pathLst>
+              <a:path w="8426302" h="6858000">
+                <a:moveTo>
+                  <a:pt x="184095" y="6858000"/>
+                </a:moveTo>
+                <a:lnTo>
+                  <a:pt x="8426302" y="6858000"/>
+                </a:lnTo>
+                <a:lnTo>
+                  <a:pt x="8426302" y="0"/>
+                </a:lnTo>
+                <a:lnTo>
+                  <a:pt x="2743435" y="0"/>
+                </a:lnTo>
+                <a:lnTo>
+                  <a:pt x="2688451" y="37385"/>
+                </a:lnTo>
+                <a:cubicBezTo>
+                  <a:pt x="1058888" y="1225893"/>
+                  <a:pt x="0" y="3149927"/>
+                  <a:pt x="0" y="5321277"/>
+                </a:cubicBezTo>
+                <a:cubicBezTo>
+                  <a:pt x="0" y="5744268"/>
+                  <a:pt x="40184" y="6157873"/>
+                  <a:pt x="116943" y="6558484"/>
+                </a:cubicBezTo>
+                <a:close/>
+              </a:path>
+            </a:pathLst>
+          </a:custGeom>
+          <a:solidFill>
+            <a:schemeClr val="tx1">
+              <a:alpha val="80000"/>
+            </a:schemeClr>
+          </a:solidFill>
+          <a:ln>
+            <a:noFill/>
+          </a:ln>
+        </p:spPr>
+        <p:style>
+          <a:lnRef idx="2">
+            <a:schemeClr val="accent1">
+              <a:shade val="50000"/>
+            </a:schemeClr>
+          </a:lnRef>
+          <a:fillRef idx="1">
+            <a:schemeClr val="accent1"/>
+          </a:fillRef>
+          <a:effectRef idx="0">
+            <a:schemeClr val="accent1"/>
+          </a:effectRef>
+          <a:fontRef idx="minor">
+            <a:schemeClr val="lt1"/>
+          </a:fontRef>
+        </p:style>
+        <p:txBody>
+          <a:bodyPr wrap="square" rtlCol="0" anchor="ctr">
+            <a:noAutofit/>
+          </a:bodyPr>
+          <a:lstStyle/>
+          <a:p>
+            <a:pPr algn="ctr"/>
+            <a:endParaRPr lang="en-US"/>
+          </a:p>
+        </p:txBody>
+      </p:sp>
+      <p:sp>
+        <p:nvSpPr>
+          <p:cNvPr id="18" name="Freeform: Shape 17">
+            <a:extLst>
+              <a:ext uri="{FF2B5EF4-FFF2-40B4-BE49-F238E27FC236}">
+                <a16:creationId xmlns:a16="http://schemas.microsoft.com/office/drawing/2014/main" id="{FDA12F62-867F-4684-B28B-E085D09DCC06}"/>
+              </a:ext>
+              <a:ext uri="{C183D7F6-B498-43B3-948B-1728B52AA6E4}">
+                <adec:decorative xmlns:adec="http://schemas.microsoft.com/office/drawing/2017/decorative" val="1"/>
+              </a:ext>
+            </a:extLst>
+          </p:cNvPr>
+          <p:cNvSpPr>
+            <a:spLocks noGrp="1" noRot="1" noChangeAspect="1" noMove="1" noResize="1" noEditPoints="1" noAdjustHandles="1" noChangeArrowheads="1" noChangeShapeType="1" noTextEdit="1"/>
+          </p:cNvSpPr>
+          <p:nvPr>
+            <p:extLst>
+              <p:ext uri="{386F3935-93C4-4BCD-93E2-E3B085C9AB24}">
+                <p16:designElem xmlns:p16="http://schemas.microsoft.com/office/powerpoint/2015/main" val="1"/>
+              </p:ext>
+            </p:extLst>
+          </p:nvPr>
+        </p:nvSpPr>
+        <p:spPr>
+          <a:xfrm flipH="1" flipV="1">
+            <a:off x="0" y="0"/>
+            <a:ext cx="8174932" cy="6858000"/>
+          </a:xfrm>
+          <a:custGeom>
+            <a:avLst/>
+            <a:gdLst>
+              <a:gd name="connsiteX0" fmla="*/ 190266 w 8174932"/>
+              <a:gd name="connsiteY0" fmla="*/ 6858000 h 6858000"/>
+              <a:gd name="connsiteX1" fmla="*/ 8174932 w 8174932"/>
+              <a:gd name="connsiteY1" fmla="*/ 6858000 h 6858000"/>
+              <a:gd name="connsiteX2" fmla="*/ 8174932 w 8174932"/>
+              <a:gd name="connsiteY2" fmla="*/ 0 h 6858000"/>
+              <a:gd name="connsiteX3" fmla="*/ 2944847 w 8174932"/>
+              <a:gd name="connsiteY3" fmla="*/ 0 h 6858000"/>
+              <a:gd name="connsiteX4" fmla="*/ 2646373 w 8174932"/>
+              <a:gd name="connsiteY4" fmla="*/ 196447 h 6858000"/>
+              <a:gd name="connsiteX5" fmla="*/ 0 w 8174932"/>
+              <a:gd name="connsiteY5" fmla="*/ 5321277 h 6858000"/>
+              <a:gd name="connsiteX6" fmla="*/ 112445 w 8174932"/>
+              <a:gd name="connsiteY6" fmla="*/ 6510898 h 6858000"/>
+            </a:gdLst>
+            <a:ahLst/>
+            <a:cxnLst>
+              <a:cxn ang="0">
+                <a:pos x="connsiteX0" y="connsiteY0"/>
+              </a:cxn>
+              <a:cxn ang="0">
+                <a:pos x="connsiteX1" y="connsiteY1"/>
+              </a:cxn>
+              <a:cxn ang="0">
+                <a:pos x="connsiteX2" y="connsiteY2"/>
+              </a:cxn>
+              <a:cxn ang="0">
+                <a:pos x="connsiteX3" y="connsiteY3"/>
+              </a:cxn>
+              <a:cxn ang="0">
+                <a:pos x="connsiteX4" y="connsiteY4"/>
+              </a:cxn>
+              <a:cxn ang="0">
+                <a:pos x="connsiteX5" y="connsiteY5"/>
+              </a:cxn>
+              <a:cxn ang="0">
+                <a:pos x="connsiteX6" y="connsiteY6"/>
+              </a:cxn>
+            </a:cxnLst>
+            <a:rect l="l" t="t" r="r" b="b"/>
+            <a:pathLst>
+              <a:path w="8174932" h="6858000">
+                <a:moveTo>
+                  <a:pt x="190266" y="6858000"/>
+                </a:moveTo>
+                <a:lnTo>
+                  <a:pt x="8174932" y="6858000"/>
+                </a:lnTo>
+                <a:lnTo>
+                  <a:pt x="8174932" y="0"/>
+                </a:lnTo>
+                <a:lnTo>
+                  <a:pt x="2944847" y="0"/>
+                </a:lnTo>
+                <a:lnTo>
+                  <a:pt x="2646373" y="196447"/>
+                </a:lnTo>
+                <a:cubicBezTo>
+                  <a:pt x="1044779" y="1335395"/>
+                  <a:pt x="0" y="3206327"/>
+                  <a:pt x="0" y="5321277"/>
+                </a:cubicBezTo>
+                <a:cubicBezTo>
+                  <a:pt x="0" y="5727999"/>
+                  <a:pt x="38639" y="6125696"/>
+                  <a:pt x="112445" y="6510898"/>
+                </a:cubicBezTo>
+                <a:close/>
+              </a:path>
+            </a:pathLst>
+          </a:custGeom>
+          <a:solidFill>
+            <a:schemeClr val="bg1">
+              <a:lumMod val="65000"/>
+              <a:lumOff val="35000"/>
+            </a:schemeClr>
+          </a:solidFill>
+          <a:ln>
+            <a:noFill/>
+          </a:ln>
+        </p:spPr>
+        <p:style>
+          <a:lnRef idx="2">
+            <a:schemeClr val="accent1">
+              <a:shade val="50000"/>
+            </a:schemeClr>
+          </a:lnRef>
+          <a:fillRef idx="1">
+            <a:schemeClr val="accent1"/>
+          </a:fillRef>
+          <a:effectRef idx="0">
+            <a:schemeClr val="accent1"/>
+          </a:effectRef>
+          <a:fontRef idx="minor">
+            <a:schemeClr val="lt1"/>
+          </a:fontRef>
+        </p:style>
+        <p:txBody>
+          <a:bodyPr wrap="square" rtlCol="0" anchor="ctr">
+            <a:noAutofit/>
+          </a:bodyPr>
+          <a:lstStyle/>
+          <a:p>
+            <a:pPr algn="ctr"/>
+            <a:endParaRPr lang="en-US"/>
+          </a:p>
+        </p:txBody>
+      </p:sp>
+      <p:sp>
+        <p:nvSpPr>
+          <p:cNvPr id="2" name="Title 1">
+            <a:extLst>
+              <a:ext uri="{FF2B5EF4-FFF2-40B4-BE49-F238E27FC236}">
+                <a16:creationId xmlns:a16="http://schemas.microsoft.com/office/drawing/2014/main" id="{C08B412E-4A4E-416C-193A-A843439998A9}"/>
+              </a:ext>
+            </a:extLst>
+          </p:cNvPr>
+          <p:cNvSpPr>
+            <a:spLocks noGrp="1"/>
+          </p:cNvSpPr>
+          <p:nvPr>
+            <p:ph type="title"/>
+          </p:nvPr>
+        </p:nvSpPr>
+        <p:spPr>
+          <a:xfrm>
+            <a:off x="794623" y="522514"/>
+            <a:ext cx="5936370" cy="1077703"/>
+          </a:xfrm>
+        </p:spPr>
+        <p:txBody>
+          <a:bodyPr vert="horz" lIns="91440" tIns="45720" rIns="91440" bIns="45720" rtlCol="0" anchor="b">
+            <a:normAutofit fontScale="90000"/>
+          </a:bodyPr>
+          <a:lstStyle/>
+          <a:p>
+            <a:endParaRPr lang="en-US" sz="7200" kern="1200" dirty="0">
+              <a:solidFill>
+                <a:srgbClr val="FFFFFF"/>
+              </a:solidFill>
+              <a:latin typeface="+mj-lt"/>
+              <a:ea typeface="+mj-ea"/>
+              <a:cs typeface="+mj-cs"/>
+            </a:endParaRPr>
+          </a:p>
+        </p:txBody>
+      </p:sp>
+      <p:pic>
+        <p:nvPicPr>
+          <p:cNvPr id="4" name="Afbeelding 3">
+            <a:extLst>
+              <a:ext uri="{FF2B5EF4-FFF2-40B4-BE49-F238E27FC236}">
+                <a16:creationId xmlns:a16="http://schemas.microsoft.com/office/drawing/2014/main" id="{E709207A-56AF-DE9D-8B7E-D5E18463D119}"/>
+              </a:ext>
+            </a:extLst>
+          </p:cNvPr>
+          <p:cNvPicPr>
+            <a:picLocks noChangeAspect="1"/>
+          </p:cNvPicPr>
+          <p:nvPr/>
+        </p:nvPicPr>
+        <p:blipFill>
+          <a:blip r:embed="rId2">
+            <a:extLst>
+              <a:ext uri="{28A0092B-C50C-407E-A947-70E740481C1C}">
+                <a14:useLocalDpi xmlns:a14="http://schemas.microsoft.com/office/drawing/2010/main" val="0"/>
+              </a:ext>
+            </a:extLst>
+          </a:blip>
+          <a:stretch>
+            <a:fillRect/>
+          </a:stretch>
+        </p:blipFill>
+        <p:spPr>
+          <a:xfrm>
+            <a:off x="2363919" y="522514"/>
+            <a:ext cx="7464161" cy="5936369"/>
+          </a:xfrm>
+          <a:prstGeom prst="rect">
+            <a:avLst/>
+          </a:prstGeom>
+        </p:spPr>
+      </p:pic>
+    </p:spTree>
+    <p:extLst>
+      <p:ext uri="{BB962C8B-B14F-4D97-AF65-F5344CB8AC3E}">
+        <p14:creationId xmlns:p14="http://schemas.microsoft.com/office/powerpoint/2010/main" val="2110216363"/>
+      </p:ext>
+    </p:extLst>
+  </p:cSld>
+  <p:clrMapOvr>
+    <a:overrideClrMapping bg1="dk1" tx1="lt1" bg2="dk2" tx2="lt2" accent1="accent1" accent2="accent2" accent3="accent3" accent4="accent4" accent5="accent5" accent6="accent6" hlink="hlink" folHlink="folHlink"/>
+  </p:clrMapOvr>
+</p:sld>
+</file>
+
+<file path=ppt/slides/slide8.xml><?xml version="1.0" encoding="utf-8"?>
 <p:sld xmlns:a="http://schemas.openxmlformats.org/drawingml/2006/main" xmlns:r="http://schemas.openxmlformats.org/officeDocument/2006/relationships" xmlns:p="http://schemas.openxmlformats.org/presentationml/2006/main">
   <p:cSld>
     <p:bg>
@@ -3360,206 +4385,7 @@
 </p:sld>
 </file>
 
-<file path=ppt/slides/slide7.xml><?xml version="1.0" encoding="utf-8"?>
-<p:sld xmlns:a="http://schemas.openxmlformats.org/drawingml/2006/main" xmlns:r="http://schemas.openxmlformats.org/officeDocument/2006/relationships" xmlns:p="http://schemas.openxmlformats.org/presentationml/2006/main">
-  <p:cSld>
-    <p:bg>
-      <p:bgPr>
-        <a:solidFill>
-          <a:schemeClr val="bg1"/>
-        </a:solidFill>
-        <a:effectLst/>
-      </p:bgPr>
-    </p:bg>
-    <p:spTree>
-      <p:nvGrpSpPr>
-        <p:cNvPr id="1" name=""/>
-        <p:cNvGrpSpPr/>
-        <p:nvPr/>
-      </p:nvGrpSpPr>
-      <p:grpSpPr>
-        <a:xfrm>
-          <a:off x="0" y="0"/>
-          <a:ext cx="0" cy="0"/>
-          <a:chOff x="0" y="0"/>
-          <a:chExt cx="0" cy="0"/>
-        </a:xfrm>
-      </p:grpSpPr>
-      <p:sp>
-        <p:nvSpPr>
-          <p:cNvPr id="7" name="Rectangle 6">
-            <a:extLst>
-              <a:ext uri="{FF2B5EF4-FFF2-40B4-BE49-F238E27FC236}">
-                <a16:creationId xmlns:a16="http://schemas.microsoft.com/office/drawing/2014/main" id="{3EDD119B-6BFA-4C3F-90CE-97DAFD604ECC}"/>
-              </a:ext>
-              <a:ext uri="{C183D7F6-B498-43B3-948B-1728B52AA6E4}">
-                <adec:decorative xmlns:adec="http://schemas.microsoft.com/office/drawing/2017/decorative" val="1"/>
-              </a:ext>
-            </a:extLst>
-          </p:cNvPr>
-          <p:cNvSpPr>
-            <a:spLocks noGrp="1" noRot="1" noChangeAspect="1" noMove="1" noResize="1" noEditPoints="1" noAdjustHandles="1" noChangeArrowheads="1" noChangeShapeType="1" noTextEdit="1"/>
-          </p:cNvSpPr>
-          <p:nvPr>
-            <p:extLst>
-              <p:ext uri="{386F3935-93C4-4BCD-93E2-E3B085C9AB24}">
-                <p16:designElem xmlns:p16="http://schemas.microsoft.com/office/powerpoint/2015/main" val="1"/>
-              </p:ext>
-            </p:extLst>
-          </p:nvPr>
-        </p:nvSpPr>
-        <p:spPr bwMode="ltGray">
-          <a:xfrm>
-            <a:off x="321564" y="320040"/>
-            <a:ext cx="11548872" cy="6217920"/>
-          </a:xfrm>
-          <a:prstGeom prst="rect">
-            <a:avLst/>
-          </a:prstGeom>
-          <a:solidFill>
-            <a:schemeClr val="tx1">
-              <a:lumMod val="75000"/>
-              <a:lumOff val="25000"/>
-            </a:schemeClr>
-          </a:solidFill>
-          <a:ln w="127000" cap="sq" cmpd="thinThick">
-            <a:noFill/>
-          </a:ln>
-        </p:spPr>
-        <p:style>
-          <a:lnRef idx="2">
-            <a:schemeClr val="accent1">
-              <a:shade val="50000"/>
-            </a:schemeClr>
-          </a:lnRef>
-          <a:fillRef idx="1">
-            <a:schemeClr val="accent1"/>
-          </a:fillRef>
-          <a:effectRef idx="0">
-            <a:schemeClr val="accent1"/>
-          </a:effectRef>
-          <a:fontRef idx="minor">
-            <a:schemeClr val="lt1"/>
-          </a:fontRef>
-        </p:style>
-        <p:txBody>
-          <a:bodyPr rtlCol="0" anchor="ctr"/>
-          <a:lstStyle/>
-          <a:p>
-            <a:pPr algn="ctr"/>
-            <a:endParaRPr lang="en-US"/>
-          </a:p>
-        </p:txBody>
-      </p:sp>
-      <p:sp>
-        <p:nvSpPr>
-          <p:cNvPr id="2" name="Title 1">
-            <a:extLst>
-              <a:ext uri="{FF2B5EF4-FFF2-40B4-BE49-F238E27FC236}">
-                <a16:creationId xmlns:a16="http://schemas.microsoft.com/office/drawing/2014/main" id="{512CEF02-9528-AE31-D6CD-7A053F24F073}"/>
-              </a:ext>
-            </a:extLst>
-          </p:cNvPr>
-          <p:cNvSpPr>
-            <a:spLocks noGrp="1"/>
-          </p:cNvSpPr>
-          <p:nvPr>
-            <p:ph type="title"/>
-          </p:nvPr>
-        </p:nvSpPr>
-        <p:spPr>
-          <a:xfrm>
-            <a:off x="7508787" y="965198"/>
-            <a:ext cx="4103109" cy="4927601"/>
-          </a:xfrm>
-        </p:spPr>
-        <p:txBody>
-          <a:bodyPr vert="horz" lIns="91440" tIns="45720" rIns="91440" bIns="45720" rtlCol="0" anchor="ctr">
-            <a:normAutofit/>
-          </a:bodyPr>
-          <a:lstStyle/>
-          <a:p>
-            <a:pPr algn="r"/>
-            <a:r>
-              <a:rPr lang="en-US" sz="4000" kern="1200" dirty="0">
-                <a:solidFill>
-                  <a:schemeClr val="bg1"/>
-                </a:solidFill>
-                <a:latin typeface="+mj-lt"/>
-                <a:ea typeface="+mj-ea"/>
-                <a:cs typeface="+mj-cs"/>
-              </a:rPr>
-              <a:t>The application</a:t>
-            </a:r>
-          </a:p>
-        </p:txBody>
-      </p:sp>
-      <p:cxnSp>
-        <p:nvCxnSpPr>
-          <p:cNvPr id="9" name="Straight Connector 8">
-            <a:extLst>
-              <a:ext uri="{FF2B5EF4-FFF2-40B4-BE49-F238E27FC236}">
-                <a16:creationId xmlns:a16="http://schemas.microsoft.com/office/drawing/2014/main" id="{DC1572D0-F0FD-4D84-8F82-DC59140EB9BB}"/>
-              </a:ext>
-              <a:ext uri="{C183D7F6-B498-43B3-948B-1728B52AA6E4}">
-                <adec:decorative xmlns:adec="http://schemas.microsoft.com/office/drawing/2017/decorative" val="1"/>
-              </a:ext>
-            </a:extLst>
-          </p:cNvPr>
-          <p:cNvCxnSpPr>
-            <a:cxnSpLocks noGrp="1" noRot="1" noChangeAspect="1" noMove="1" noResize="1" noEditPoints="1" noAdjustHandles="1" noChangeArrowheads="1" noChangeShapeType="1"/>
-          </p:cNvCxnSpPr>
-          <p:nvPr>
-            <p:extLst>
-              <p:ext uri="{386F3935-93C4-4BCD-93E2-E3B085C9AB24}">
-                <p16:designElem xmlns:p16="http://schemas.microsoft.com/office/powerpoint/2015/main" val="1"/>
-              </p:ext>
-            </p:extLst>
-          </p:nvPr>
-        </p:nvCxnSpPr>
-        <p:spPr>
-          <a:xfrm>
-            <a:off x="8138160" y="2057399"/>
-            <a:ext cx="0" cy="2743200"/>
-          </a:xfrm>
-          <a:prstGeom prst="line">
-            <a:avLst/>
-          </a:prstGeom>
-          <a:ln w="19050">
-            <a:solidFill>
-              <a:schemeClr val="bg1"/>
-            </a:solidFill>
-          </a:ln>
-        </p:spPr>
-        <p:style>
-          <a:lnRef idx="1">
-            <a:schemeClr val="accent1"/>
-          </a:lnRef>
-          <a:fillRef idx="0">
-            <a:schemeClr val="accent1"/>
-          </a:fillRef>
-          <a:effectRef idx="0">
-            <a:schemeClr val="accent1"/>
-          </a:effectRef>
-          <a:fontRef idx="minor">
-            <a:schemeClr val="tx1"/>
-          </a:fontRef>
-        </p:style>
-      </p:cxnSp>
-    </p:spTree>
-    <p:extLst>
-      <p:ext uri="{BB962C8B-B14F-4D97-AF65-F5344CB8AC3E}">
-        <p14:creationId xmlns:p14="http://schemas.microsoft.com/office/powerpoint/2010/main" val="1512849507"/>
-      </p:ext>
-    </p:extLst>
-  </p:cSld>
-  <p:clrMapOvr>
-    <a:masterClrMapping/>
-  </p:clrMapOvr>
-</p:sld>
-</file>
-
-<file path=ppt/slides/slide8.xml><?xml version="1.0" encoding="utf-8"?>
+<file path=ppt/slides/slide9.xml><?xml version="1.0" encoding="utf-8"?>
 <p:sld xmlns:a="http://schemas.openxmlformats.org/drawingml/2006/main" xmlns:r="http://schemas.openxmlformats.org/officeDocument/2006/relationships" xmlns:p="http://schemas.openxmlformats.org/presentationml/2006/main">
   <p:cSld>
     <p:bg>
@@ -3714,99 +4540,6 @@
     <p:extLst>
       <p:ext uri="{BB962C8B-B14F-4D97-AF65-F5344CB8AC3E}">
         <p14:creationId xmlns:p14="http://schemas.microsoft.com/office/powerpoint/2010/main" val="2875166925"/>
-      </p:ext>
-    </p:extLst>
-  </p:cSld>
-  <p:clrMapOvr>
-    <a:masterClrMapping/>
-  </p:clrMapOvr>
-</p:sld>
-</file>
-
-<file path=ppt/slides/slide9.xml><?xml version="1.0" encoding="utf-8"?>
-<p:sld xmlns:a="http://schemas.openxmlformats.org/drawingml/2006/main" xmlns:r="http://schemas.openxmlformats.org/officeDocument/2006/relationships" xmlns:p="http://schemas.openxmlformats.org/presentationml/2006/main">
-  <p:cSld>
-    <p:bg>
-      <p:bgPr>
-        <a:noFill/>
-        <a:effectLst/>
-      </p:bgPr>
-    </p:bg>
-    <p:spTree>
-      <p:nvGrpSpPr>
-        <p:cNvPr id="1" name=""/>
-        <p:cNvGrpSpPr/>
-        <p:nvPr/>
-      </p:nvGrpSpPr>
-      <p:grpSpPr>
-        <a:xfrm>
-          <a:off x="0" y="0"/>
-          <a:ext cx="0" cy="0"/>
-          <a:chOff x="0" y="0"/>
-          <a:chExt cx="0" cy="0"/>
-        </a:xfrm>
-      </p:grpSpPr>
-      <p:sp>
-        <p:nvSpPr>
-          <p:cNvPr id="2" name="Title 1" hidden="1">
-            <a:extLst>
-              <a:ext uri="{FF2B5EF4-FFF2-40B4-BE49-F238E27FC236}">
-                <a16:creationId xmlns:a16="http://schemas.microsoft.com/office/drawing/2014/main" id="{A3862D7D-2613-3F9B-9769-8963F27BD131}"/>
-              </a:ext>
-            </a:extLst>
-          </p:cNvPr>
-          <p:cNvSpPr>
-            <a:spLocks noGrp="1"/>
-          </p:cNvSpPr>
-          <p:nvPr>
-            <p:ph type="title"/>
-          </p:nvPr>
-        </p:nvSpPr>
-        <p:spPr/>
-        <p:txBody>
-          <a:bodyPr/>
-          <a:lstStyle/>
-          <a:p>
-            <a:r>
-              <a:rPr lang="en-US"/>
-              <a:t>Causes of problems</a:t>
-            </a:r>
-            <a:endParaRPr lang="en-NL" dirty="0"/>
-          </a:p>
-        </p:txBody>
-      </p:sp>
-      <p:pic>
-        <p:nvPicPr>
-          <p:cNvPr id="3" name="Picture 2">
-            <a:extLst>
-              <a:ext uri="{FF2B5EF4-FFF2-40B4-BE49-F238E27FC236}">
-                <a16:creationId xmlns:a16="http://schemas.microsoft.com/office/drawing/2014/main" id="{78D36B7A-954C-C14E-18F1-4D4D0F533FB1}"/>
-              </a:ext>
-            </a:extLst>
-          </p:cNvPr>
-          <p:cNvPicPr/>
-          <p:nvPr/>
-        </p:nvPicPr>
-        <p:blipFill>
-          <a:blip r:embed="rId3"/>
-          <a:stretch>
-            <a:fillRect/>
-          </a:stretch>
-        </p:blipFill>
-        <p:spPr>
-          <a:xfrm>
-            <a:off x="0" y="0"/>
-            <a:ext cx="12192000" cy="6858000"/>
-          </a:xfrm>
-          <a:prstGeom prst="rect">
-            <a:avLst/>
-          </a:prstGeom>
-        </p:spPr>
-      </p:pic>
-    </p:spTree>
-    <p:extLst>
-      <p:ext uri="{BB962C8B-B14F-4D97-AF65-F5344CB8AC3E}">
-        <p14:creationId xmlns:p14="http://schemas.microsoft.com/office/powerpoint/2010/main" val="680026398"/>
       </p:ext>
     </p:extLst>
   </p:cSld>
